--- a/PACMULE_InitialDesignReview_06-02-2014 (Joshua Eddy's conflicted copy 2014-06-03).pptx
+++ b/PACMULE_InitialDesignReview_06-02-2014 (Joshua Eddy's conflicted copy 2014-06-03).pptx
@@ -26,6 +26,7 @@
     <p:sldId id="274" r:id="rId20"/>
     <p:sldId id="275" r:id="rId21"/>
     <p:sldId id="276" r:id="rId22"/>
+    <p:sldId id="277" r:id="rId23"/>
   </p:sldIdLst>
   <p:sldSz cx="9144000" cy="6858000" type="screen4x3"/>
   <p:notesSz cx="6858000" cy="9144000"/>
@@ -126,7 +127,7 @@
   </p:defaultTextStyle>
   <p:extLst>
     <p:ext uri="{EFAFB233-063F-42B5-8137-9DF3F51BA10A}">
-      <p15:sldGuideLst xmlns:p15="http://schemas.microsoft.com/office/powerpoint/2012/main" xmlns="">
+      <p15:sldGuideLst xmlns="" xmlns:p15="http://schemas.microsoft.com/office/powerpoint/2012/main">
         <p15:guide id="1" orient="horz" pos="2160">
           <p15:clr>
             <a:srgbClr val="A4A3A4"/>
@@ -324,7 +325,7 @@
           <a:p>
             <a:fld id="{DA29D2F6-19F9-464A-8E75-62334B88CF54}" type="datetimeFigureOut">
               <a:rPr lang="en-US" smtClean="0"/>
-              <a:t>6/3/2014</a:t>
+              <a:t>6/27/2014</a:t>
             </a:fld>
             <a:endParaRPr lang="en-US"/>
           </a:p>
@@ -494,7 +495,7 @@
           <a:p>
             <a:fld id="{DA29D2F6-19F9-464A-8E75-62334B88CF54}" type="datetimeFigureOut">
               <a:rPr lang="en-US" smtClean="0"/>
-              <a:t>6/3/2014</a:t>
+              <a:t>6/27/2014</a:t>
             </a:fld>
             <a:endParaRPr lang="en-US"/>
           </a:p>
@@ -674,7 +675,7 @@
           <a:p>
             <a:fld id="{DA29D2F6-19F9-464A-8E75-62334B88CF54}" type="datetimeFigureOut">
               <a:rPr lang="en-US" smtClean="0"/>
-              <a:t>6/3/2014</a:t>
+              <a:t>6/27/2014</a:t>
             </a:fld>
             <a:endParaRPr lang="en-US"/>
           </a:p>
@@ -844,7 +845,7 @@
           <a:p>
             <a:fld id="{DA29D2F6-19F9-464A-8E75-62334B88CF54}" type="datetimeFigureOut">
               <a:rPr lang="en-US" smtClean="0"/>
-              <a:t>6/3/2014</a:t>
+              <a:t>6/27/2014</a:t>
             </a:fld>
             <a:endParaRPr lang="en-US"/>
           </a:p>
@@ -1090,7 +1091,7 @@
           <a:p>
             <a:fld id="{DA29D2F6-19F9-464A-8E75-62334B88CF54}" type="datetimeFigureOut">
               <a:rPr lang="en-US" smtClean="0"/>
-              <a:t>6/3/2014</a:t>
+              <a:t>6/27/2014</a:t>
             </a:fld>
             <a:endParaRPr lang="en-US"/>
           </a:p>
@@ -1378,7 +1379,7 @@
           <a:p>
             <a:fld id="{DA29D2F6-19F9-464A-8E75-62334B88CF54}" type="datetimeFigureOut">
               <a:rPr lang="en-US" smtClean="0"/>
-              <a:t>6/3/2014</a:t>
+              <a:t>6/27/2014</a:t>
             </a:fld>
             <a:endParaRPr lang="en-US"/>
           </a:p>
@@ -1800,7 +1801,7 @@
           <a:p>
             <a:fld id="{DA29D2F6-19F9-464A-8E75-62334B88CF54}" type="datetimeFigureOut">
               <a:rPr lang="en-US" smtClean="0"/>
-              <a:t>6/3/2014</a:t>
+              <a:t>6/27/2014</a:t>
             </a:fld>
             <a:endParaRPr lang="en-US"/>
           </a:p>
@@ -1918,7 +1919,7 @@
           <a:p>
             <a:fld id="{DA29D2F6-19F9-464A-8E75-62334B88CF54}" type="datetimeFigureOut">
               <a:rPr lang="en-US" smtClean="0"/>
-              <a:t>6/3/2014</a:t>
+              <a:t>6/27/2014</a:t>
             </a:fld>
             <a:endParaRPr lang="en-US"/>
           </a:p>
@@ -2013,7 +2014,7 @@
           <a:p>
             <a:fld id="{DA29D2F6-19F9-464A-8E75-62334B88CF54}" type="datetimeFigureOut">
               <a:rPr lang="en-US" smtClean="0"/>
-              <a:t>6/3/2014</a:t>
+              <a:t>6/27/2014</a:t>
             </a:fld>
             <a:endParaRPr lang="en-US"/>
           </a:p>
@@ -2290,7 +2291,7 @@
           <a:p>
             <a:fld id="{DA29D2F6-19F9-464A-8E75-62334B88CF54}" type="datetimeFigureOut">
               <a:rPr lang="en-US" smtClean="0"/>
-              <a:t>6/3/2014</a:t>
+              <a:t>6/27/2014</a:t>
             </a:fld>
             <a:endParaRPr lang="en-US"/>
           </a:p>
@@ -2543,7 +2544,7 @@
           <a:p>
             <a:fld id="{DA29D2F6-19F9-464A-8E75-62334B88CF54}" type="datetimeFigureOut">
               <a:rPr lang="en-US" smtClean="0"/>
-              <a:t>6/3/2014</a:t>
+              <a:t>6/27/2014</a:t>
             </a:fld>
             <a:endParaRPr lang="en-US"/>
           </a:p>
@@ -2765,7 +2766,7 @@
           <a:p>
             <a:fld id="{DA29D2F6-19F9-464A-8E75-62334B88CF54}" type="datetimeFigureOut">
               <a:rPr lang="en-US" smtClean="0"/>
-              <a:t>6/3/2014</a:t>
+              <a:t>6/27/2014</a:t>
             </a:fld>
             <a:endParaRPr lang="en-US"/>
           </a:p>
@@ -3258,16 +3259,6 @@
                 </a:solidFill>
               </a:rPr>
               <a:t>(Payload Acquisition Carrier Multi-Utility Location Estimator)</a:t>
-            </a:r>
-            <a:r>
-              <a:rPr lang="en-US" sz="2200" dirty="0" smtClean="0">
-                <a:solidFill>
-                  <a:schemeClr val="accent1">
-                    <a:lumMod val="75000"/>
-                  </a:schemeClr>
-                </a:solidFill>
-              </a:rPr>
-              <a:t/>
             </a:r>
             <a:br>
               <a:rPr lang="en-US" sz="2200" dirty="0" smtClean="0">
@@ -8326,6 +8317,64 @@
 </p:sld>
 </file>
 
+<file path=ppt/slides/slide22.xml><?xml version="1.0" encoding="utf-8"?>
+<p:sld xmlns:a="http://schemas.openxmlformats.org/drawingml/2006/main" xmlns:r="http://schemas.openxmlformats.org/officeDocument/2006/relationships" xmlns:p="http://schemas.openxmlformats.org/presentationml/2006/main">
+  <p:cSld>
+    <p:spTree>
+      <p:nvGrpSpPr>
+        <p:cNvPr id="1" name=""/>
+        <p:cNvGrpSpPr/>
+        <p:nvPr/>
+      </p:nvGrpSpPr>
+      <p:grpSpPr>
+        <a:xfrm>
+          <a:off x="0" y="0"/>
+          <a:ext cx="0" cy="0"/>
+          <a:chOff x="0" y="0"/>
+          <a:chExt cx="0" cy="0"/>
+        </a:xfrm>
+      </p:grpSpPr>
+      <p:sp>
+        <p:nvSpPr>
+          <p:cNvPr id="2" name="Title 1"/>
+          <p:cNvSpPr>
+            <a:spLocks noGrp="1"/>
+          </p:cNvSpPr>
+          <p:nvPr>
+            <p:ph type="title"/>
+          </p:nvPr>
+        </p:nvSpPr>
+        <p:spPr>
+          <a:xfrm>
+            <a:off x="457200" y="2514600"/>
+            <a:ext cx="8229600" cy="1143000"/>
+          </a:xfrm>
+        </p:spPr>
+        <p:txBody>
+          <a:bodyPr/>
+          <a:lstStyle/>
+          <a:p>
+            <a:r>
+              <a:rPr lang="en-US" dirty="0" smtClean="0"/>
+              <a:t>Thank you!</a:t>
+            </a:r>
+            <a:endParaRPr lang="en-US" dirty="0"/>
+          </a:p>
+        </p:txBody>
+      </p:sp>
+    </p:spTree>
+    <p:extLst>
+      <p:ext uri="{BB962C8B-B14F-4D97-AF65-F5344CB8AC3E}">
+        <p14:creationId xmlns:p14="http://schemas.microsoft.com/office/powerpoint/2010/main" val="1183980675"/>
+      </p:ext>
+    </p:extLst>
+  </p:cSld>
+  <p:clrMapOvr>
+    <a:masterClrMapping/>
+  </p:clrMapOvr>
+</p:sld>
+</file>
+
 <file path=ppt/slides/slide3.xml><?xml version="1.0" encoding="utf-8"?>
 <p:sld xmlns:a="http://schemas.openxmlformats.org/drawingml/2006/main" xmlns:r="http://schemas.openxmlformats.org/officeDocument/2006/relationships" xmlns:p="http://schemas.openxmlformats.org/presentationml/2006/main">
   <p:cSld>
